--- a/Final-Project-Presentation Slides.pptx
+++ b/Final-Project-Presentation Slides.pptx
@@ -5,17 +5,17 @@
     <p:sldMasterId id="2147483648" r:id="rId1"/>
   </p:sldMasterIdLst>
   <p:notesMasterIdLst>
-    <p:notesMasterId r:id="rId4"/>
+    <p:notesMasterId r:id="rId7"/>
   </p:notesMasterIdLst>
   <p:handoutMasterIdLst>
-    <p:handoutMasterId r:id="rId9"/>
+    <p:handoutMasterId r:id="rId8"/>
   </p:handoutMasterIdLst>
   <p:sldIdLst>
-    <p:sldId id="278" r:id="rId3"/>
-    <p:sldId id="279" r:id="rId5"/>
-    <p:sldId id="257" r:id="rId6"/>
-    <p:sldId id="280" r:id="rId7"/>
-    <p:sldId id="281" r:id="rId8"/>
+    <p:sldId id="278" r:id="rId2"/>
+    <p:sldId id="279" r:id="rId3"/>
+    <p:sldId id="257" r:id="rId4"/>
+    <p:sldId id="280" r:id="rId5"/>
+    <p:sldId id="281" r:id="rId6"/>
   </p:sldIdLst>
   <p:sldSz cx="12192000" cy="6858000"/>
   <p:notesSz cx="6858000" cy="9144000"/>
@@ -114,6 +114,14 @@
       </a:defRPr>
     </a:lvl9pPr>
   </p:defaultTextStyle>
+  <p:extLst>
+    <p:ext uri="{EFAFB233-063F-42B5-8137-9DF3F51BA10A}">
+      <p15:sldGuideLst xmlns:p15="http://schemas.microsoft.com/office/powerpoint/2012/main"/>
+    </p:ext>
+    <p:ext uri="{2D200454-40CA-4A62-9FC3-DE9A4176ACB9}">
+      <p15:notesGuideLst xmlns:p15="http://schemas.microsoft.com/office/powerpoint/2012/main"/>
+    </p:ext>
+  </p:extLst>
 </p:presentation>
 </file>
 
@@ -207,6 +215,7 @@
                 <a:latin typeface="Microsoft YaHei UI" panose="020B0503020204020204" pitchFamily="34" charset="-122"/>
                 <a:ea typeface="Microsoft YaHei UI" panose="020B0503020204020204" pitchFamily="34" charset="-122"/>
               </a:rPr>
+              <a:t>2021/4/30</a:t>
             </a:fld>
             <a:endParaRPr lang="zh-CN" altLang="en-US" dirty="0">
               <a:latin typeface="Microsoft YaHei UI" panose="020B0503020204020204" pitchFamily="34" charset="-122"/>
@@ -283,6 +292,7 @@
                 <a:latin typeface="Microsoft YaHei UI" panose="020B0503020204020204" pitchFamily="34" charset="-122"/>
                 <a:ea typeface="Microsoft YaHei UI" panose="020B0503020204020204" pitchFamily="34" charset="-122"/>
               </a:rPr>
+              <a:t>‹#›</a:t>
             </a:fld>
             <a:endParaRPr lang="zh-CN" altLang="en-US">
               <a:latin typeface="Microsoft YaHei UI" panose="020B0503020204020204" pitchFamily="34" charset="-122"/>
@@ -385,6 +395,7 @@
           <a:p>
             <a:fld id="{0742085D-B37C-405E-8AB3-694AE80234A9}" type="datetime1">
               <a:rPr lang="zh-CN" altLang="en-US" smtClean="0"/>
+              <a:t>2021/4/30</a:t>
             </a:fld>
             <a:endParaRPr lang="zh-CN" altLang="en-US" dirty="0"/>
           </a:p>
@@ -452,7 +463,6 @@
               <a:rPr lang="zh-CN" altLang="en-US" noProof="0" dirty="0"/>
               <a:t>编辑母版文本样式</a:t>
             </a:r>
-            <a:endParaRPr lang="zh-CN" altLang="en-US" noProof="0" dirty="0"/>
           </a:p>
           <a:p>
             <a:pPr lvl="1" rtl="0"/>
@@ -460,7 +470,6 @@
               <a:rPr lang="zh-CN" altLang="en-US" noProof="0" dirty="0"/>
               <a:t>第二级</a:t>
             </a:r>
-            <a:endParaRPr lang="zh-CN" altLang="en-US" noProof="0" dirty="0"/>
           </a:p>
           <a:p>
             <a:pPr lvl="2" rtl="0"/>
@@ -468,7 +477,6 @@
               <a:rPr lang="zh-CN" altLang="en-US" noProof="0" dirty="0"/>
               <a:t>第三级</a:t>
             </a:r>
-            <a:endParaRPr lang="zh-CN" altLang="en-US" noProof="0" dirty="0"/>
           </a:p>
           <a:p>
             <a:pPr lvl="3" rtl="0"/>
@@ -476,7 +484,6 @@
               <a:rPr lang="zh-CN" altLang="en-US" noProof="0" dirty="0"/>
               <a:t>第四级</a:t>
             </a:r>
-            <a:endParaRPr lang="zh-CN" altLang="en-US" noProof="0" dirty="0"/>
           </a:p>
           <a:p>
             <a:pPr lvl="4" rtl="0"/>
@@ -484,7 +491,6 @@
               <a:rPr lang="zh-CN" altLang="en-US" noProof="0" dirty="0"/>
               <a:t>第五级</a:t>
             </a:r>
-            <a:endParaRPr lang="zh-CN" altLang="en-US" noProof="0" dirty="0"/>
           </a:p>
         </p:txBody>
       </p:sp>
@@ -554,6 +560,7 @@
           <a:p>
             <a:fld id="{62DF6859-042C-4B80-873A-544528B0ADA9}" type="slidenum">
               <a:rPr lang="en-US" altLang="zh-CN" smtClean="0"/>
+              <a:t>‹#›</a:t>
             </a:fld>
             <a:endParaRPr lang="zh-CN" altLang="en-US"/>
           </a:p>
@@ -730,6 +737,7 @@
                 <a:latin typeface="Microsoft YaHei UI" panose="020B0503020204020204" pitchFamily="34" charset="-122"/>
                 <a:ea typeface="Microsoft YaHei UI" panose="020B0503020204020204" pitchFamily="34" charset="-122"/>
               </a:rPr>
+              <a:t>1</a:t>
             </a:fld>
             <a:endParaRPr lang="zh-CN" altLang="en-US">
               <a:latin typeface="Microsoft YaHei UI" panose="020B0503020204020204" pitchFamily="34" charset="-122"/>
@@ -819,6 +827,7 @@
                 <a:latin typeface="Microsoft YaHei UI" panose="020B0503020204020204" pitchFamily="34" charset="-122"/>
                 <a:ea typeface="Microsoft YaHei UI" panose="020B0503020204020204" pitchFamily="34" charset="-122"/>
               </a:rPr>
+              <a:t>3</a:t>
             </a:fld>
             <a:endParaRPr lang="zh-CN" altLang="en-US">
               <a:latin typeface="Microsoft YaHei UI" panose="020B0503020204020204" pitchFamily="34" charset="-122"/>
@@ -908,6 +917,7 @@
                 <a:latin typeface="Microsoft YaHei UI" panose="020B0503020204020204" pitchFamily="34" charset="-122"/>
                 <a:ea typeface="Microsoft YaHei UI" panose="020B0503020204020204" pitchFamily="34" charset="-122"/>
               </a:rPr>
+              <a:t>4</a:t>
             </a:fld>
             <a:endParaRPr lang="zh-CN" altLang="en-US">
               <a:latin typeface="Microsoft YaHei UI" panose="020B0503020204020204" pitchFamily="34" charset="-122"/>
@@ -1145,7 +1155,6 @@
               <a:rPr lang="zh-CN" altLang="en-US" noProof="0"/>
               <a:t>单击此处编辑母版标题样式</a:t>
             </a:r>
-            <a:endParaRPr lang="zh-CN" altLang="en-US" noProof="0"/>
           </a:p>
         </p:txBody>
       </p:sp>
@@ -1219,7 +1228,6 @@
               <a:rPr lang="zh-CN" altLang="en-US" noProof="0"/>
               <a:t>单击以编辑母版副标题样式</a:t>
             </a:r>
-            <a:endParaRPr lang="zh-CN" altLang="en-US" noProof="0"/>
           </a:p>
         </p:txBody>
       </p:sp>
@@ -1247,6 +1255,7 @@
           <a:p>
             <a:fld id="{0048880C-BA1C-4D39-860A-C17DBC0B02A3}" type="datetime1">
               <a:rPr lang="zh-CN" altLang="en-US" noProof="0" smtClean="0"/>
+              <a:t>2021/4/30</a:t>
             </a:fld>
             <a:endParaRPr lang="zh-CN" altLang="en-US" noProof="0"/>
           </a:p>
@@ -1281,7 +1290,6 @@
               <a:rPr lang="zh-CN" altLang="en-US" noProof="0"/>
               <a:t> 添加页脚 	</a:t>
             </a:r>
-            <a:endParaRPr lang="zh-CN" altLang="en-US" noProof="0"/>
           </a:p>
           <a:p>
             <a:endParaRPr lang="zh-CN" altLang="en-US" noProof="0"/>
@@ -1312,6 +1320,7 @@
           <a:p>
             <a:fld id="{2F5601C1-348E-4149-A60A-012B14EBE97F}" type="slidenum">
               <a:rPr lang="en-US" altLang="zh-CN" noProof="0" smtClean="0"/>
+              <a:t>‹#›</a:t>
             </a:fld>
             <a:endParaRPr lang="zh-CN" altLang="en-US" noProof="0"/>
           </a:p>
@@ -1326,7 +1335,7 @@
 </file>
 
 <file path=ppt/slideLayouts/slideLayout10.xml><?xml version="1.0" encoding="utf-8"?>
-<p:sldLayout xmlns:a="http://schemas.openxmlformats.org/drawingml/2006/main" xmlns:r="http://schemas.openxmlformats.org/officeDocument/2006/relationships" xmlns:p="http://schemas.openxmlformats.org/presentationml/2006/main" preserve="1" showMasterSp="0" userDrawn="1">
+<p:sldLayout xmlns:a="http://schemas.openxmlformats.org/drawingml/2006/main" xmlns:r="http://schemas.openxmlformats.org/officeDocument/2006/relationships" xmlns:p="http://schemas.openxmlformats.org/presentationml/2006/main" showMasterSp="0" preserve="1" userDrawn="1">
   <p:cSld name="比较">
     <p:bg bwMode="blackGray">
       <p:bgRef idx="1001">
@@ -1376,7 +1385,6 @@
               <a:rPr lang="zh-CN" altLang="en-US"/>
               <a:t> 添加页脚 	</a:t>
             </a:r>
-            <a:endParaRPr lang="zh-CN" altLang="en-US"/>
           </a:p>
           <a:p>
             <a:endParaRPr lang="zh-CN" altLang="en-US"/>
@@ -1407,6 +1415,7 @@
           <a:p>
             <a:fld id="{2F5601C1-348E-4149-A60A-012B14EBE97F}" type="slidenum">
               <a:rPr lang="en-US" altLang="zh-CN" smtClean="0"/>
+              <a:t>‹#›</a:t>
             </a:fld>
             <a:endParaRPr lang="zh-CN" altLang="en-US"/>
           </a:p>
@@ -1547,7 +1556,6 @@
               <a:rPr lang="zh-CN" altLang="en-US" noProof="0"/>
               <a:t>单击此处编辑母版标题样式</a:t>
             </a:r>
-            <a:endParaRPr lang="zh-CN" altLang="en-US" noProof="0"/>
           </a:p>
         </p:txBody>
       </p:sp>
@@ -1682,6 +1690,7 @@
           <a:p>
             <a:fld id="{D363712F-CEE7-4FFB-9A4A-A33C929EC4E1}" type="datetime1">
               <a:rPr lang="zh-CN" altLang="en-US" smtClean="0"/>
+              <a:t>2021/4/30</a:t>
             </a:fld>
             <a:endParaRPr lang="zh-CN" altLang="en-US"/>
           </a:p>
@@ -1757,7 +1766,6 @@
               <a:rPr lang="zh-CN" altLang="en-US" noProof="0"/>
               <a:t>编辑母版文本样式</a:t>
             </a:r>
-            <a:endParaRPr lang="zh-CN" altLang="en-US" noProof="0"/>
           </a:p>
         </p:txBody>
       </p:sp>
@@ -1831,7 +1839,6 @@
               <a:rPr lang="zh-CN" altLang="en-US" noProof="0"/>
               <a:t>编辑母版文本样式</a:t>
             </a:r>
-            <a:endParaRPr lang="zh-CN" altLang="en-US" noProof="0"/>
           </a:p>
         </p:txBody>
       </p:sp>
@@ -1906,7 +1913,6 @@
               <a:rPr lang="zh-CN" altLang="en-US" noProof="0"/>
               <a:t>编辑母版文本样式</a:t>
             </a:r>
-            <a:endParaRPr lang="zh-CN" altLang="en-US" noProof="0"/>
           </a:p>
           <a:p>
             <a:pPr lvl="1" rtl="0"/>
@@ -1914,7 +1920,6 @@
               <a:rPr lang="zh-CN" altLang="en-US" noProof="0"/>
               <a:t>第二级</a:t>
             </a:r>
-            <a:endParaRPr lang="zh-CN" altLang="en-US" noProof="0"/>
           </a:p>
           <a:p>
             <a:pPr lvl="2" rtl="0"/>
@@ -1922,7 +1927,6 @@
               <a:rPr lang="zh-CN" altLang="en-US" noProof="0"/>
               <a:t>第三级</a:t>
             </a:r>
-            <a:endParaRPr lang="zh-CN" altLang="en-US" noProof="0"/>
           </a:p>
           <a:p>
             <a:pPr lvl="3" rtl="0"/>
@@ -1930,7 +1934,6 @@
               <a:rPr lang="zh-CN" altLang="en-US" noProof="0"/>
               <a:t>第四级</a:t>
             </a:r>
-            <a:endParaRPr lang="zh-CN" altLang="en-US" noProof="0"/>
           </a:p>
           <a:p>
             <a:pPr lvl="4" rtl="0"/>
@@ -1938,7 +1941,6 @@
               <a:rPr lang="zh-CN" altLang="en-US" noProof="0"/>
               <a:t>第五级</a:t>
             </a:r>
-            <a:endParaRPr lang="zh-CN" altLang="en-US" noProof="0"/>
           </a:p>
         </p:txBody>
       </p:sp>
@@ -2013,7 +2015,6 @@
               <a:rPr lang="zh-CN" altLang="en-US" noProof="0"/>
               <a:t>编辑母版文本样式</a:t>
             </a:r>
-            <a:endParaRPr lang="zh-CN" altLang="en-US" noProof="0"/>
           </a:p>
           <a:p>
             <a:pPr lvl="1" rtl="0"/>
@@ -2021,7 +2022,6 @@
               <a:rPr lang="zh-CN" altLang="en-US" noProof="0"/>
               <a:t>第二级</a:t>
             </a:r>
-            <a:endParaRPr lang="zh-CN" altLang="en-US" noProof="0"/>
           </a:p>
           <a:p>
             <a:pPr lvl="2" rtl="0"/>
@@ -2029,7 +2029,6 @@
               <a:rPr lang="zh-CN" altLang="en-US" noProof="0"/>
               <a:t>第三级</a:t>
             </a:r>
-            <a:endParaRPr lang="zh-CN" altLang="en-US" noProof="0"/>
           </a:p>
           <a:p>
             <a:pPr lvl="3" rtl="0"/>
@@ -2037,7 +2036,6 @@
               <a:rPr lang="zh-CN" altLang="en-US" noProof="0"/>
               <a:t>第四级</a:t>
             </a:r>
-            <a:endParaRPr lang="zh-CN" altLang="en-US" noProof="0"/>
           </a:p>
           <a:p>
             <a:pPr lvl="4" rtl="0"/>
@@ -2045,7 +2043,6 @@
               <a:rPr lang="zh-CN" altLang="en-US" noProof="0"/>
               <a:t>第五级</a:t>
             </a:r>
-            <a:endParaRPr lang="zh-CN" altLang="en-US" noProof="0"/>
           </a:p>
         </p:txBody>
       </p:sp>
@@ -2058,7 +2055,7 @@
 </file>
 
 <file path=ppt/slideLayouts/slideLayout11.xml><?xml version="1.0" encoding="utf-8"?>
-<p:sldLayout xmlns:a="http://schemas.openxmlformats.org/drawingml/2006/main" xmlns:r="http://schemas.openxmlformats.org/officeDocument/2006/relationships" xmlns:p="http://schemas.openxmlformats.org/presentationml/2006/main" preserve="1" showMasterSp="0" userDrawn="1">
+<p:sldLayout xmlns:a="http://schemas.openxmlformats.org/drawingml/2006/main" xmlns:r="http://schemas.openxmlformats.org/officeDocument/2006/relationships" xmlns:p="http://schemas.openxmlformats.org/presentationml/2006/main" showMasterSp="0" preserve="1" userDrawn="1">
   <p:cSld name="两栏内容">
     <p:bg bwMode="blackGray">
       <p:bgRef idx="1001">
@@ -2108,7 +2105,6 @@
               <a:rPr lang="zh-CN" altLang="en-US"/>
               <a:t> 添加页脚 	</a:t>
             </a:r>
-            <a:endParaRPr lang="zh-CN" altLang="en-US"/>
           </a:p>
           <a:p>
             <a:endParaRPr lang="zh-CN" altLang="en-US"/>
@@ -2139,6 +2135,7 @@
           <a:p>
             <a:fld id="{2F5601C1-348E-4149-A60A-012B14EBE97F}" type="slidenum">
               <a:rPr lang="en-US" altLang="zh-CN" smtClean="0"/>
+              <a:t>‹#›</a:t>
             </a:fld>
             <a:endParaRPr lang="zh-CN" altLang="en-US"/>
           </a:p>
@@ -2279,7 +2276,6 @@
               <a:rPr lang="zh-CN" altLang="en-US" noProof="0"/>
               <a:t>单击此处编辑母版标题样式</a:t>
             </a:r>
-            <a:endParaRPr lang="zh-CN" altLang="en-US" noProof="0"/>
           </a:p>
         </p:txBody>
       </p:sp>
@@ -2414,6 +2410,7 @@
           <a:p>
             <a:fld id="{73E4C6BE-85D0-455A-A739-37465E8ADC77}" type="datetime1">
               <a:rPr lang="zh-CN" altLang="en-US" smtClean="0"/>
+              <a:t>2021/4/30</a:t>
             </a:fld>
             <a:endParaRPr lang="zh-CN" altLang="en-US"/>
           </a:p>
@@ -2490,7 +2487,6 @@
               <a:rPr lang="zh-CN" altLang="en-US" noProof="0"/>
               <a:t>编辑母版文本样式</a:t>
             </a:r>
-            <a:endParaRPr lang="zh-CN" altLang="en-US" noProof="0"/>
           </a:p>
           <a:p>
             <a:pPr lvl="1" rtl="0"/>
@@ -2498,7 +2494,6 @@
               <a:rPr lang="zh-CN" altLang="en-US" noProof="0"/>
               <a:t>第二级</a:t>
             </a:r>
-            <a:endParaRPr lang="zh-CN" altLang="en-US" noProof="0"/>
           </a:p>
           <a:p>
             <a:pPr lvl="2" rtl="0"/>
@@ -2506,7 +2501,6 @@
               <a:rPr lang="zh-CN" altLang="en-US" noProof="0"/>
               <a:t>第三级</a:t>
             </a:r>
-            <a:endParaRPr lang="zh-CN" altLang="en-US" noProof="0"/>
           </a:p>
           <a:p>
             <a:pPr lvl="3" rtl="0"/>
@@ -2514,7 +2508,6 @@
               <a:rPr lang="zh-CN" altLang="en-US" noProof="0"/>
               <a:t>第四级</a:t>
             </a:r>
-            <a:endParaRPr lang="zh-CN" altLang="en-US" noProof="0"/>
           </a:p>
           <a:p>
             <a:pPr lvl="4" rtl="0"/>
@@ -2522,7 +2515,6 @@
               <a:rPr lang="zh-CN" altLang="en-US" noProof="0"/>
               <a:t>第五级</a:t>
             </a:r>
-            <a:endParaRPr lang="zh-CN" altLang="en-US" noProof="0"/>
           </a:p>
         </p:txBody>
       </p:sp>
@@ -2597,7 +2589,6 @@
               <a:rPr lang="zh-CN" altLang="en-US" noProof="0"/>
               <a:t>编辑母版文本样式</a:t>
             </a:r>
-            <a:endParaRPr lang="zh-CN" altLang="en-US" noProof="0"/>
           </a:p>
           <a:p>
             <a:pPr lvl="1" rtl="0"/>
@@ -2605,7 +2596,6 @@
               <a:rPr lang="zh-CN" altLang="en-US" noProof="0"/>
               <a:t>第二级</a:t>
             </a:r>
-            <a:endParaRPr lang="zh-CN" altLang="en-US" noProof="0"/>
           </a:p>
           <a:p>
             <a:pPr lvl="2" rtl="0"/>
@@ -2613,7 +2603,6 @@
               <a:rPr lang="zh-CN" altLang="en-US" noProof="0"/>
               <a:t>第三级</a:t>
             </a:r>
-            <a:endParaRPr lang="zh-CN" altLang="en-US" noProof="0"/>
           </a:p>
           <a:p>
             <a:pPr lvl="3" rtl="0"/>
@@ -2621,7 +2610,6 @@
               <a:rPr lang="zh-CN" altLang="en-US" noProof="0"/>
               <a:t>第四级</a:t>
             </a:r>
-            <a:endParaRPr lang="zh-CN" altLang="en-US" noProof="0"/>
           </a:p>
           <a:p>
             <a:pPr lvl="4" rtl="0"/>
@@ -2629,7 +2617,6 @@
               <a:rPr lang="zh-CN" altLang="en-US" noProof="0"/>
               <a:t>第五级</a:t>
             </a:r>
-            <a:endParaRPr lang="zh-CN" altLang="en-US" noProof="0"/>
           </a:p>
         </p:txBody>
       </p:sp>
@@ -2844,7 +2831,6 @@
               <a:rPr lang="zh-CN" altLang="en-US" noProof="0"/>
               <a:t>单击此处编辑母版标题样式</a:t>
             </a:r>
-            <a:endParaRPr lang="zh-CN" altLang="en-US" noProof="0"/>
           </a:p>
         </p:txBody>
       </p:sp>
@@ -2880,7 +2866,6 @@
               <a:rPr lang="zh-CN" altLang="en-US"/>
               <a:t> 添加页脚 	</a:t>
             </a:r>
-            <a:endParaRPr lang="zh-CN" altLang="en-US"/>
           </a:p>
           <a:p>
             <a:endParaRPr lang="zh-CN" altLang="en-US"/>
@@ -2914,6 +2899,7 @@
           <a:p>
             <a:fld id="{2F5601C1-348E-4149-A60A-012B14EBE97F}" type="slidenum">
               <a:rPr lang="en-US" altLang="zh-CN" smtClean="0"/>
+              <a:t>‹#›</a:t>
             </a:fld>
             <a:endParaRPr lang="zh-CN" altLang="en-US"/>
           </a:p>
@@ -2951,6 +2937,7 @@
           <a:p>
             <a:fld id="{056F7675-5A44-442E-AC19-6AC46300C342}" type="datetime1">
               <a:rPr lang="zh-CN" altLang="en-US" smtClean="0"/>
+              <a:t>2021/4/30</a:t>
             </a:fld>
             <a:endParaRPr lang="zh-CN" altLang="en-US"/>
           </a:p>
@@ -3021,7 +3008,6 @@
               <a:rPr lang="zh-CN" altLang="en-US" noProof="0"/>
               <a:t>编辑母版文本样式</a:t>
             </a:r>
-            <a:endParaRPr lang="zh-CN" altLang="en-US" noProof="0"/>
           </a:p>
         </p:txBody>
       </p:sp>
@@ -3093,7 +3079,6 @@
               <a:rPr lang="zh-CN" altLang="en-US" noProof="0"/>
               <a:t>单击图标添加图片</a:t>
             </a:r>
-            <a:endParaRPr lang="zh-CN" altLang="en-US" noProof="0"/>
           </a:p>
         </p:txBody>
       </p:sp>
@@ -3106,7 +3091,7 @@
 </file>
 
 <file path=ppt/slideLayouts/slideLayout13.xml><?xml version="1.0" encoding="utf-8"?>
-<p:sldLayout xmlns:a="http://schemas.openxmlformats.org/drawingml/2006/main" xmlns:r="http://schemas.openxmlformats.org/officeDocument/2006/relationships" xmlns:p="http://schemas.openxmlformats.org/presentationml/2006/main" preserve="1" showMasterSp="0" userDrawn="1">
+<p:sldLayout xmlns:a="http://schemas.openxmlformats.org/drawingml/2006/main" xmlns:r="http://schemas.openxmlformats.org/officeDocument/2006/relationships" xmlns:p="http://schemas.openxmlformats.org/presentationml/2006/main" showMasterSp="0" preserve="1" userDrawn="1">
   <p:cSld name="带题注的内容">
     <p:bg bwMode="blackGray">
       <p:bgRef idx="1001">
@@ -3156,7 +3141,6 @@
               <a:rPr lang="zh-CN" altLang="en-US"/>
               <a:t> 添加页脚 	</a:t>
             </a:r>
-            <a:endParaRPr lang="zh-CN" altLang="en-US"/>
           </a:p>
           <a:p>
             <a:endParaRPr lang="zh-CN" altLang="en-US"/>
@@ -3187,6 +3171,7 @@
           <a:p>
             <a:fld id="{2F5601C1-348E-4149-A60A-012B14EBE97F}" type="slidenum">
               <a:rPr lang="en-US" altLang="zh-CN" smtClean="0"/>
+              <a:t>‹#›</a:t>
             </a:fld>
             <a:endParaRPr lang="zh-CN" altLang="en-US"/>
           </a:p>
@@ -3327,7 +3312,6 @@
               <a:rPr lang="zh-CN" altLang="en-US" noProof="0"/>
               <a:t>单击此处编辑母版标题样式</a:t>
             </a:r>
-            <a:endParaRPr lang="zh-CN" altLang="en-US" noProof="0"/>
           </a:p>
         </p:txBody>
       </p:sp>
@@ -3462,6 +3446,7 @@
           <a:p>
             <a:fld id="{95240ECA-BC5B-48BC-8B00-C79760753025}" type="datetime1">
               <a:rPr lang="zh-CN" altLang="en-US" smtClean="0"/>
+              <a:t>2021/4/30</a:t>
             </a:fld>
             <a:endParaRPr lang="zh-CN" altLang="en-US"/>
           </a:p>
@@ -3532,7 +3517,6 @@
               <a:rPr lang="zh-CN" altLang="en-US" noProof="0"/>
               <a:t>编辑母版文本样式</a:t>
             </a:r>
-            <a:endParaRPr lang="zh-CN" altLang="en-US" noProof="0"/>
           </a:p>
         </p:txBody>
       </p:sp>
@@ -3621,7 +3605,6 @@
               <a:rPr lang="zh-CN" altLang="en-US" noProof="0"/>
               <a:t>编辑母版文本样式</a:t>
             </a:r>
-            <a:endParaRPr lang="zh-CN" altLang="en-US" noProof="0"/>
           </a:p>
           <a:p>
             <a:pPr lvl="1" rtl="0"/>
@@ -3629,7 +3612,6 @@
               <a:rPr lang="zh-CN" altLang="en-US" noProof="0"/>
               <a:t>第二级</a:t>
             </a:r>
-            <a:endParaRPr lang="zh-CN" altLang="en-US" noProof="0"/>
           </a:p>
           <a:p>
             <a:pPr lvl="2" rtl="0"/>
@@ -3637,7 +3619,6 @@
               <a:rPr lang="zh-CN" altLang="en-US" noProof="0"/>
               <a:t>第三级</a:t>
             </a:r>
-            <a:endParaRPr lang="zh-CN" altLang="en-US" noProof="0"/>
           </a:p>
           <a:p>
             <a:pPr lvl="3" rtl="0"/>
@@ -3645,7 +3626,6 @@
               <a:rPr lang="zh-CN" altLang="en-US" noProof="0"/>
               <a:t>第四级</a:t>
             </a:r>
-            <a:endParaRPr lang="zh-CN" altLang="en-US" noProof="0"/>
           </a:p>
           <a:p>
             <a:pPr lvl="4" rtl="0"/>
@@ -3653,7 +3633,6 @@
               <a:rPr lang="zh-CN" altLang="en-US" noProof="0"/>
               <a:t>第五级</a:t>
             </a:r>
-            <a:endParaRPr lang="zh-CN" altLang="en-US" noProof="0"/>
           </a:p>
         </p:txBody>
       </p:sp>
@@ -3666,7 +3645,7 @@
 </file>
 
 <file path=ppt/slideLayouts/slideLayout14.xml><?xml version="1.0" encoding="utf-8"?>
-<p:sldLayout xmlns:a="http://schemas.openxmlformats.org/drawingml/2006/main" xmlns:r="http://schemas.openxmlformats.org/officeDocument/2006/relationships" xmlns:p="http://schemas.openxmlformats.org/presentationml/2006/main" preserve="1" showMasterSp="0" userDrawn="1">
+<p:sldLayout xmlns:a="http://schemas.openxmlformats.org/drawingml/2006/main" xmlns:r="http://schemas.openxmlformats.org/officeDocument/2006/relationships" xmlns:p="http://schemas.openxmlformats.org/presentationml/2006/main" showMasterSp="0" preserve="1" userDrawn="1">
   <p:cSld name="仅标题">
     <p:bg bwMode="blackGray">
       <p:bgRef idx="1001">
@@ -3716,7 +3695,6 @@
               <a:rPr lang="zh-CN" altLang="en-US"/>
               <a:t> 添加页脚 	</a:t>
             </a:r>
-            <a:endParaRPr lang="zh-CN" altLang="en-US"/>
           </a:p>
           <a:p>
             <a:endParaRPr lang="zh-CN" altLang="en-US"/>
@@ -3747,6 +3725,7 @@
           <a:p>
             <a:fld id="{2F5601C1-348E-4149-A60A-012B14EBE97F}" type="slidenum">
               <a:rPr lang="en-US" altLang="zh-CN" smtClean="0"/>
+              <a:t>‹#›</a:t>
             </a:fld>
             <a:endParaRPr lang="zh-CN" altLang="en-US"/>
           </a:p>
@@ -3887,7 +3866,6 @@
               <a:rPr lang="zh-CN" altLang="en-US" noProof="0"/>
               <a:t>单击此处编辑母版标题样式</a:t>
             </a:r>
-            <a:endParaRPr lang="zh-CN" altLang="en-US" noProof="0"/>
           </a:p>
         </p:txBody>
       </p:sp>
@@ -4022,6 +4000,7 @@
           <a:p>
             <a:fld id="{DFC4BF68-DD49-4E26-8CB9-294C03A96790}" type="datetime1">
               <a:rPr lang="zh-CN" altLang="en-US" smtClean="0"/>
+              <a:t>2021/4/30</a:t>
             </a:fld>
             <a:endParaRPr lang="zh-CN" altLang="en-US"/>
           </a:p>
@@ -4036,7 +4015,7 @@
 </file>
 
 <file path=ppt/slideLayouts/slideLayout15.xml><?xml version="1.0" encoding="utf-8"?>
-<p:sldLayout xmlns:a="http://schemas.openxmlformats.org/drawingml/2006/main" xmlns:r="http://schemas.openxmlformats.org/officeDocument/2006/relationships" xmlns:p="http://schemas.openxmlformats.org/presentationml/2006/main" type="blank" preserve="1" showMasterSp="0">
+<p:sldLayout xmlns:a="http://schemas.openxmlformats.org/drawingml/2006/main" xmlns:r="http://schemas.openxmlformats.org/officeDocument/2006/relationships" xmlns:p="http://schemas.openxmlformats.org/presentationml/2006/main" showMasterSp="0" type="blank" preserve="1">
   <p:cSld name="空白">
     <p:spTree>
       <p:nvGrpSpPr>
@@ -4076,7 +4055,6 @@
               <a:rPr lang="zh-CN" altLang="en-US" noProof="0"/>
               <a:t> 添加页脚 	</a:t>
             </a:r>
-            <a:endParaRPr lang="zh-CN" altLang="en-US" noProof="0"/>
           </a:p>
           <a:p>
             <a:pPr rtl="0"/>
@@ -4102,6 +4080,7 @@
             <a:pPr rtl="0"/>
             <a:fld id="{2F5601C1-348E-4149-A60A-012B14EBE97F}" type="slidenum">
               <a:rPr lang="en-US" noProof="0" smtClean="0"/>
+              <a:t>‹#›</a:t>
             </a:fld>
             <a:endParaRPr lang="en-US" noProof="0"/>
           </a:p>
@@ -4130,6 +4109,7 @@
             <a:pPr rtl="0"/>
             <a:fld id="{102F6117-CA1C-4A4E-B5E6-39936A93F1F1}" type="datetime1">
               <a:rPr lang="zh-CN" altLang="en-US" noProof="0" smtClean="0"/>
+              <a:t>2021/4/30</a:t>
             </a:fld>
             <a:endParaRPr lang="en-US" noProof="0"/>
           </a:p>
@@ -4144,7 +4124,7 @@
 </file>
 
 <file path=ppt/slideLayouts/slideLayout2.xml><?xml version="1.0" encoding="utf-8"?>
-<p:sldLayout xmlns:a="http://schemas.openxmlformats.org/drawingml/2006/main" xmlns:r="http://schemas.openxmlformats.org/officeDocument/2006/relationships" xmlns:p="http://schemas.openxmlformats.org/presentationml/2006/main" type="title" preserve="1" showMasterSp="0">
+<p:sldLayout xmlns:a="http://schemas.openxmlformats.org/drawingml/2006/main" xmlns:r="http://schemas.openxmlformats.org/officeDocument/2006/relationships" xmlns:p="http://schemas.openxmlformats.org/presentationml/2006/main" showMasterSp="0" type="title" preserve="1">
   <p:cSld name="节标题">
     <p:spTree>
       <p:nvGrpSpPr>
@@ -4287,7 +4267,6 @@
               <a:rPr lang="zh-CN" altLang="en-US" noProof="0"/>
               <a:t>单击此处编辑母版标题样式</a:t>
             </a:r>
-            <a:endParaRPr lang="zh-CN" altLang="en-US" noProof="0"/>
           </a:p>
         </p:txBody>
       </p:sp>
@@ -4361,7 +4340,6 @@
               <a:rPr lang="zh-CN" altLang="en-US" noProof="0"/>
               <a:t>单击此处编辑母版副标题样式</a:t>
             </a:r>
-            <a:endParaRPr lang="zh-CN" altLang="en-US" noProof="0"/>
           </a:p>
         </p:txBody>
       </p:sp>
@@ -4389,6 +4367,7 @@
           <a:p>
             <a:fld id="{4C8517E7-5CB9-423B-B317-BD4A52C59D76}" type="datetime1">
               <a:rPr lang="zh-CN" altLang="en-US" noProof="0" smtClean="0"/>
+              <a:t>2021/4/30</a:t>
             </a:fld>
             <a:endParaRPr lang="zh-CN" altLang="en-US" noProof="0"/>
           </a:p>
@@ -4423,7 +4402,6 @@
               <a:rPr lang="zh-CN" altLang="en-US" noProof="0"/>
               <a:t> 添加页脚 	</a:t>
             </a:r>
-            <a:endParaRPr lang="zh-CN" altLang="en-US" noProof="0"/>
           </a:p>
           <a:p>
             <a:endParaRPr lang="zh-CN" altLang="en-US" noProof="0"/>
@@ -4454,6 +4432,7 @@
           <a:p>
             <a:fld id="{2F5601C1-348E-4149-A60A-012B14EBE97F}" type="slidenum">
               <a:rPr lang="en-US" altLang="zh-CN" noProof="0" smtClean="0"/>
+              <a:t>‹#›</a:t>
             </a:fld>
             <a:endParaRPr lang="zh-CN" altLang="en-US" noProof="0"/>
           </a:p>
@@ -4670,7 +4649,6 @@
               <a:rPr lang="zh-CN" altLang="en-US" noProof="0"/>
               <a:t>单击此处编辑母版标题样式</a:t>
             </a:r>
-            <a:endParaRPr lang="zh-CN" altLang="en-US" noProof="0"/>
           </a:p>
         </p:txBody>
       </p:sp>
@@ -4740,7 +4718,6 @@
               <a:rPr lang="zh-CN" altLang="en-US" noProof="0"/>
               <a:t>编辑母版文本样式</a:t>
             </a:r>
-            <a:endParaRPr lang="zh-CN" altLang="en-US" noProof="0"/>
           </a:p>
           <a:p>
             <a:pPr lvl="1" rtl="0"/>
@@ -4748,7 +4725,6 @@
               <a:rPr lang="zh-CN" altLang="en-US" noProof="0"/>
               <a:t>第二级</a:t>
             </a:r>
-            <a:endParaRPr lang="zh-CN" altLang="en-US" noProof="0"/>
           </a:p>
           <a:p>
             <a:pPr lvl="2" rtl="0"/>
@@ -4756,7 +4732,6 @@
               <a:rPr lang="zh-CN" altLang="en-US" noProof="0"/>
               <a:t>第三级</a:t>
             </a:r>
-            <a:endParaRPr lang="zh-CN" altLang="en-US" noProof="0"/>
           </a:p>
           <a:p>
             <a:pPr lvl="3" rtl="0"/>
@@ -4764,7 +4739,6 @@
               <a:rPr lang="zh-CN" altLang="en-US" noProof="0"/>
               <a:t>第四级</a:t>
             </a:r>
-            <a:endParaRPr lang="zh-CN" altLang="en-US" noProof="0"/>
           </a:p>
           <a:p>
             <a:pPr lvl="4" rtl="0"/>
@@ -4772,7 +4746,6 @@
               <a:rPr lang="zh-CN" altLang="en-US" noProof="0"/>
               <a:t>第五级</a:t>
             </a:r>
-            <a:endParaRPr lang="zh-CN" altLang="en-US" noProof="0"/>
           </a:p>
         </p:txBody>
       </p:sp>
@@ -4808,7 +4781,6 @@
               <a:rPr lang="zh-CN" altLang="en-US" noProof="0"/>
               <a:t> 添加页脚 	</a:t>
             </a:r>
-            <a:endParaRPr lang="zh-CN" altLang="en-US" noProof="0"/>
           </a:p>
           <a:p>
             <a:endParaRPr lang="zh-CN" altLang="en-US" noProof="0"/>
@@ -4842,6 +4814,7 @@
           <a:p>
             <a:fld id="{2F5601C1-348E-4149-A60A-012B14EBE97F}" type="slidenum">
               <a:rPr lang="en-US" altLang="zh-CN" noProof="0" smtClean="0"/>
+              <a:t>‹#›</a:t>
             </a:fld>
             <a:endParaRPr lang="zh-CN" altLang="en-US" noProof="0"/>
           </a:p>
@@ -4879,6 +4852,7 @@
           <a:p>
             <a:fld id="{DBC9B3BF-1C69-46D9-9D57-0ECBC800FF78}" type="datetime1">
               <a:rPr lang="zh-CN" altLang="en-US" noProof="0" smtClean="0"/>
+              <a:t>2021/4/30</a:t>
             </a:fld>
             <a:endParaRPr lang="zh-CN" altLang="en-US" noProof="0"/>
           </a:p>
@@ -4893,7 +4867,7 @@
 </file>
 
 <file path=ppt/slideLayouts/slideLayout4.xml><?xml version="1.0" encoding="utf-8"?>
-<p:sldLayout xmlns:a="http://schemas.openxmlformats.org/drawingml/2006/main" xmlns:r="http://schemas.openxmlformats.org/officeDocument/2006/relationships" xmlns:p="http://schemas.openxmlformats.org/presentationml/2006/main" preserve="1" showMasterSp="0" userDrawn="1">
+<p:sldLayout xmlns:a="http://schemas.openxmlformats.org/drawingml/2006/main" xmlns:r="http://schemas.openxmlformats.org/officeDocument/2006/relationships" xmlns:p="http://schemas.openxmlformats.org/presentationml/2006/main" showMasterSp="0" preserve="1" userDrawn="1">
   <p:cSld name="Title_Top">
     <p:bg bwMode="blackGray">
       <p:bgRef idx="1001">
@@ -4943,7 +4917,6 @@
               <a:rPr lang="zh-CN" altLang="en-US" noProof="0"/>
               <a:t> 添加页脚 	</a:t>
             </a:r>
-            <a:endParaRPr lang="zh-CN" altLang="en-US" noProof="0"/>
           </a:p>
           <a:p>
             <a:endParaRPr lang="zh-CN" altLang="en-US" noProof="0"/>
@@ -4974,6 +4947,7 @@
           <a:p>
             <a:fld id="{2F5601C1-348E-4149-A60A-012B14EBE97F}" type="slidenum">
               <a:rPr lang="en-US" altLang="zh-CN" noProof="0" smtClean="0"/>
+              <a:t>‹#›</a:t>
             </a:fld>
             <a:endParaRPr lang="zh-CN" altLang="en-US" noProof="0"/>
           </a:p>
@@ -5114,7 +5088,6 @@
               <a:rPr lang="zh-CN" altLang="en-US" noProof="0"/>
               <a:t>单击此处编辑母版标题样式</a:t>
             </a:r>
-            <a:endParaRPr lang="zh-CN" altLang="en-US" noProof="0"/>
           </a:p>
         </p:txBody>
       </p:sp>
@@ -5343,7 +5316,6 @@
               <a:rPr lang="zh-CN" altLang="en-US" noProof="0"/>
               <a:t>编辑母版文本样式</a:t>
             </a:r>
-            <a:endParaRPr lang="zh-CN" altLang="en-US" noProof="0"/>
           </a:p>
           <a:p>
             <a:pPr lvl="1" rtl="0"/>
@@ -5351,7 +5323,6 @@
               <a:rPr lang="zh-CN" altLang="en-US" noProof="0"/>
               <a:t>第二级</a:t>
             </a:r>
-            <a:endParaRPr lang="zh-CN" altLang="en-US" noProof="0"/>
           </a:p>
           <a:p>
             <a:pPr lvl="2" rtl="0"/>
@@ -5359,7 +5330,6 @@
               <a:rPr lang="zh-CN" altLang="en-US" noProof="0"/>
               <a:t>第三级</a:t>
             </a:r>
-            <a:endParaRPr lang="zh-CN" altLang="en-US" noProof="0"/>
           </a:p>
           <a:p>
             <a:pPr lvl="3" rtl="0"/>
@@ -5367,7 +5337,6 @@
               <a:rPr lang="zh-CN" altLang="en-US" noProof="0"/>
               <a:t>第四级</a:t>
             </a:r>
-            <a:endParaRPr lang="zh-CN" altLang="en-US" noProof="0"/>
           </a:p>
           <a:p>
             <a:pPr lvl="4" rtl="0"/>
@@ -5375,7 +5344,6 @@
               <a:rPr lang="zh-CN" altLang="en-US" noProof="0"/>
               <a:t>第五级</a:t>
             </a:r>
-            <a:endParaRPr lang="zh-CN" altLang="en-US" noProof="0"/>
           </a:p>
         </p:txBody>
       </p:sp>
@@ -5408,6 +5376,7 @@
           <a:p>
             <a:fld id="{CE4BEB19-C19E-4978-B3FD-D67D28D673B5}" type="datetime1">
               <a:rPr lang="zh-CN" altLang="en-US" noProof="0" smtClean="0"/>
+              <a:t>2021/4/30</a:t>
             </a:fld>
             <a:endParaRPr lang="zh-CN" altLang="en-US" noProof="0"/>
           </a:p>
@@ -5422,7 +5391,7 @@
 </file>
 
 <file path=ppt/slideLayouts/slideLayout5.xml><?xml version="1.0" encoding="utf-8"?>
-<p:sldLayout xmlns:a="http://schemas.openxmlformats.org/drawingml/2006/main" xmlns:r="http://schemas.openxmlformats.org/officeDocument/2006/relationships" xmlns:p="http://schemas.openxmlformats.org/presentationml/2006/main" preserve="1" showMasterSp="0" userDrawn="1">
+<p:sldLayout xmlns:a="http://schemas.openxmlformats.org/drawingml/2006/main" xmlns:r="http://schemas.openxmlformats.org/officeDocument/2006/relationships" xmlns:p="http://schemas.openxmlformats.org/presentationml/2006/main" showMasterSp="0" preserve="1" userDrawn="1">
   <p:cSld name="标题和内容靠左">
     <p:spTree>
       <p:nvGrpSpPr>
@@ -5520,7 +5489,6 @@
               <a:rPr lang="zh-CN" altLang="en-US" noProof="0"/>
               <a:t>单击此处编辑母版标题样式</a:t>
             </a:r>
-            <a:endParaRPr lang="zh-CN" altLang="en-US" noProof="0"/>
           </a:p>
         </p:txBody>
       </p:sp>
@@ -5644,7 +5612,6 @@
               <a:rPr lang="zh-CN" altLang="en-US" noProof="0"/>
               <a:t>编辑母版文本样式</a:t>
             </a:r>
-            <a:endParaRPr lang="zh-CN" altLang="en-US" noProof="0"/>
           </a:p>
           <a:p>
             <a:pPr lvl="1" rtl="0"/>
@@ -5652,7 +5619,6 @@
               <a:rPr lang="zh-CN" altLang="en-US" noProof="0"/>
               <a:t>第二级</a:t>
             </a:r>
-            <a:endParaRPr lang="zh-CN" altLang="en-US" noProof="0"/>
           </a:p>
           <a:p>
             <a:pPr lvl="2" rtl="0"/>
@@ -5660,7 +5626,6 @@
               <a:rPr lang="zh-CN" altLang="en-US" noProof="0"/>
               <a:t>第三级</a:t>
             </a:r>
-            <a:endParaRPr lang="zh-CN" altLang="en-US" noProof="0"/>
           </a:p>
           <a:p>
             <a:pPr lvl="3" rtl="0"/>
@@ -5668,7 +5633,6 @@
               <a:rPr lang="zh-CN" altLang="en-US" noProof="0"/>
               <a:t>第四级</a:t>
             </a:r>
-            <a:endParaRPr lang="zh-CN" altLang="en-US" noProof="0"/>
           </a:p>
           <a:p>
             <a:pPr lvl="4" rtl="0"/>
@@ -5676,7 +5640,6 @@
               <a:rPr lang="zh-CN" altLang="en-US" noProof="0"/>
               <a:t>第五级</a:t>
             </a:r>
-            <a:endParaRPr lang="zh-CN" altLang="en-US" noProof="0"/>
           </a:p>
         </p:txBody>
       </p:sp>
@@ -5712,7 +5675,6 @@
               <a:rPr lang="zh-CN" altLang="en-US" noProof="0"/>
               <a:t> 添加页脚 	</a:t>
             </a:r>
-            <a:endParaRPr lang="zh-CN" altLang="en-US" noProof="0"/>
           </a:p>
           <a:p>
             <a:endParaRPr lang="zh-CN" altLang="en-US" noProof="0"/>
@@ -5746,6 +5708,7 @@
           <a:p>
             <a:fld id="{2F5601C1-348E-4149-A60A-012B14EBE97F}" type="slidenum">
               <a:rPr lang="en-US" altLang="zh-CN" noProof="0" smtClean="0"/>
+              <a:t>‹#›</a:t>
             </a:fld>
             <a:endParaRPr lang="zh-CN" altLang="en-US" noProof="0"/>
           </a:p>
@@ -5783,6 +5746,7 @@
           <a:p>
             <a:fld id="{7366F912-4D02-478D-8915-F8BBEBCFD48D}" type="datetime1">
               <a:rPr lang="zh-CN" altLang="en-US" noProof="0" smtClean="0"/>
+              <a:t>2021/4/30</a:t>
             </a:fld>
             <a:endParaRPr lang="zh-CN" altLang="en-US" noProof="0"/>
           </a:p>
@@ -6048,7 +6012,6 @@
               <a:rPr lang="zh-CN" altLang="en-US" noProof="0"/>
               <a:t>单击此处编辑母版标题样式</a:t>
             </a:r>
-            <a:endParaRPr lang="zh-CN" altLang="en-US" noProof="0"/>
           </a:p>
         </p:txBody>
       </p:sp>
@@ -6123,7 +6086,6 @@
               <a:rPr lang="zh-CN" altLang="en-US" noProof="0"/>
               <a:t>编辑母版文本样式</a:t>
             </a:r>
-            <a:endParaRPr lang="zh-CN" altLang="en-US" noProof="0"/>
           </a:p>
           <a:p>
             <a:pPr lvl="1" rtl="0"/>
@@ -6131,7 +6093,6 @@
               <a:rPr lang="zh-CN" altLang="en-US" noProof="0"/>
               <a:t>第二级</a:t>
             </a:r>
-            <a:endParaRPr lang="zh-CN" altLang="en-US" noProof="0"/>
           </a:p>
           <a:p>
             <a:pPr lvl="2" rtl="0"/>
@@ -6139,7 +6100,6 @@
               <a:rPr lang="zh-CN" altLang="en-US" noProof="0"/>
               <a:t>第三级</a:t>
             </a:r>
-            <a:endParaRPr lang="zh-CN" altLang="en-US" noProof="0"/>
           </a:p>
           <a:p>
             <a:pPr lvl="3" rtl="0"/>
@@ -6147,7 +6107,6 @@
               <a:rPr lang="zh-CN" altLang="en-US" noProof="0"/>
               <a:t>第四级</a:t>
             </a:r>
-            <a:endParaRPr lang="zh-CN" altLang="en-US" noProof="0"/>
           </a:p>
           <a:p>
             <a:pPr lvl="4" rtl="0"/>
@@ -6155,7 +6114,6 @@
               <a:rPr lang="zh-CN" altLang="en-US" noProof="0"/>
               <a:t>第五级</a:t>
             </a:r>
-            <a:endParaRPr lang="zh-CN" altLang="en-US" noProof="0"/>
           </a:p>
         </p:txBody>
       </p:sp>
@@ -6191,7 +6149,6 @@
               <a:rPr lang="zh-CN" altLang="en-US" noProof="0"/>
               <a:t> 添加页脚 	</a:t>
             </a:r>
-            <a:endParaRPr lang="zh-CN" altLang="en-US" noProof="0"/>
           </a:p>
           <a:p>
             <a:endParaRPr lang="zh-CN" altLang="en-US" noProof="0"/>
@@ -6225,6 +6182,7 @@
           <a:p>
             <a:fld id="{2F5601C1-348E-4149-A60A-012B14EBE97F}" type="slidenum">
               <a:rPr lang="en-US" altLang="zh-CN" noProof="0" smtClean="0"/>
+              <a:t>‹#›</a:t>
             </a:fld>
             <a:endParaRPr lang="zh-CN" altLang="en-US" noProof="0"/>
           </a:p>
@@ -6262,6 +6220,7 @@
           <a:p>
             <a:fld id="{EAA61D61-10C2-4109-8363-B7AB353E7D5A}" type="datetime1">
               <a:rPr lang="zh-CN" altLang="en-US" noProof="0" smtClean="0"/>
+              <a:t>2021/4/30</a:t>
             </a:fld>
             <a:endParaRPr lang="zh-CN" altLang="en-US" noProof="0"/>
           </a:p>
@@ -6338,7 +6297,6 @@
               <a:rPr lang="zh-CN" altLang="en-US" noProof="0"/>
               <a:t>编辑母版文本样式</a:t>
             </a:r>
-            <a:endParaRPr lang="zh-CN" altLang="en-US" noProof="0"/>
           </a:p>
           <a:p>
             <a:pPr lvl="1" rtl="0"/>
@@ -6346,7 +6304,6 @@
               <a:rPr lang="zh-CN" altLang="en-US" noProof="0"/>
               <a:t>第二级</a:t>
             </a:r>
-            <a:endParaRPr lang="zh-CN" altLang="en-US" noProof="0"/>
           </a:p>
           <a:p>
             <a:pPr lvl="2" rtl="0"/>
@@ -6354,7 +6311,6 @@
               <a:rPr lang="zh-CN" altLang="en-US" noProof="0"/>
               <a:t>第三级</a:t>
             </a:r>
-            <a:endParaRPr lang="zh-CN" altLang="en-US" noProof="0"/>
           </a:p>
           <a:p>
             <a:pPr lvl="3" rtl="0"/>
@@ -6362,7 +6318,6 @@
               <a:rPr lang="zh-CN" altLang="en-US" noProof="0"/>
               <a:t>第四级</a:t>
             </a:r>
-            <a:endParaRPr lang="zh-CN" altLang="en-US" noProof="0"/>
           </a:p>
           <a:p>
             <a:pPr lvl="4" rtl="0"/>
@@ -6370,7 +6325,6 @@
               <a:rPr lang="zh-CN" altLang="en-US" noProof="0"/>
               <a:t>第五级</a:t>
             </a:r>
-            <a:endParaRPr lang="zh-CN" altLang="en-US" noProof="0"/>
           </a:p>
         </p:txBody>
       </p:sp>
@@ -6445,7 +6399,6 @@
               <a:rPr lang="zh-CN" altLang="en-US" noProof="0"/>
               <a:t>编辑母版文本样式</a:t>
             </a:r>
-            <a:endParaRPr lang="zh-CN" altLang="en-US" noProof="0"/>
           </a:p>
           <a:p>
             <a:pPr lvl="1" rtl="0"/>
@@ -6453,7 +6406,6 @@
               <a:rPr lang="zh-CN" altLang="en-US" noProof="0"/>
               <a:t>第二级</a:t>
             </a:r>
-            <a:endParaRPr lang="zh-CN" altLang="en-US" noProof="0"/>
           </a:p>
           <a:p>
             <a:pPr lvl="2" rtl="0"/>
@@ -6461,7 +6413,6 @@
               <a:rPr lang="zh-CN" altLang="en-US" noProof="0"/>
               <a:t>第三级</a:t>
             </a:r>
-            <a:endParaRPr lang="zh-CN" altLang="en-US" noProof="0"/>
           </a:p>
           <a:p>
             <a:pPr lvl="3" rtl="0"/>
@@ -6469,7 +6420,6 @@
               <a:rPr lang="zh-CN" altLang="en-US" noProof="0"/>
               <a:t>第四级</a:t>
             </a:r>
-            <a:endParaRPr lang="zh-CN" altLang="en-US" noProof="0"/>
           </a:p>
           <a:p>
             <a:pPr lvl="4" rtl="0"/>
@@ -6477,7 +6427,6 @@
               <a:rPr lang="zh-CN" altLang="en-US" noProof="0"/>
               <a:t>第五级</a:t>
             </a:r>
-            <a:endParaRPr lang="zh-CN" altLang="en-US" noProof="0"/>
           </a:p>
         </p:txBody>
       </p:sp>
@@ -6552,7 +6501,6 @@
               <a:rPr lang="zh-CN" altLang="en-US" noProof="0"/>
               <a:t>编辑母版文本样式</a:t>
             </a:r>
-            <a:endParaRPr lang="zh-CN" altLang="en-US" noProof="0"/>
           </a:p>
           <a:p>
             <a:pPr lvl="1" rtl="0"/>
@@ -6560,7 +6508,6 @@
               <a:rPr lang="zh-CN" altLang="en-US" noProof="0"/>
               <a:t>第二级</a:t>
             </a:r>
-            <a:endParaRPr lang="zh-CN" altLang="en-US" noProof="0"/>
           </a:p>
           <a:p>
             <a:pPr lvl="2" rtl="0"/>
@@ -6568,7 +6515,6 @@
               <a:rPr lang="zh-CN" altLang="en-US" noProof="0"/>
               <a:t>第三级</a:t>
             </a:r>
-            <a:endParaRPr lang="zh-CN" altLang="en-US" noProof="0"/>
           </a:p>
           <a:p>
             <a:pPr lvl="3" rtl="0"/>
@@ -6576,7 +6522,6 @@
               <a:rPr lang="zh-CN" altLang="en-US" noProof="0"/>
               <a:t>第四级</a:t>
             </a:r>
-            <a:endParaRPr lang="zh-CN" altLang="en-US" noProof="0"/>
           </a:p>
           <a:p>
             <a:pPr lvl="4" rtl="0"/>
@@ -6584,7 +6529,6 @@
               <a:rPr lang="zh-CN" altLang="en-US" noProof="0"/>
               <a:t>第五级</a:t>
             </a:r>
-            <a:endParaRPr lang="zh-CN" altLang="en-US" noProof="0"/>
           </a:p>
         </p:txBody>
       </p:sp>
@@ -6597,7 +6541,7 @@
 </file>
 
 <file path=ppt/slideLayouts/slideLayout7.xml><?xml version="1.0" encoding="utf-8"?>
-<p:sldLayout xmlns:a="http://schemas.openxmlformats.org/drawingml/2006/main" xmlns:r="http://schemas.openxmlformats.org/officeDocument/2006/relationships" xmlns:p="http://schemas.openxmlformats.org/presentationml/2006/main" preserve="1" showMasterSp="0" userDrawn="1">
+<p:sldLayout xmlns:a="http://schemas.openxmlformats.org/drawingml/2006/main" xmlns:r="http://schemas.openxmlformats.org/officeDocument/2006/relationships" xmlns:p="http://schemas.openxmlformats.org/presentationml/2006/main" showMasterSp="0" preserve="1" userDrawn="1">
   <p:cSld name="Icons_Title ">
     <p:spTree>
       <p:nvGrpSpPr>
@@ -6642,7 +6586,6 @@
               <a:rPr lang="zh-CN" altLang="en-US" noProof="0"/>
               <a:t> 添加页脚 	</a:t>
             </a:r>
-            <a:endParaRPr lang="zh-CN" altLang="en-US" noProof="0"/>
           </a:p>
           <a:p>
             <a:endParaRPr lang="zh-CN" altLang="en-US" noProof="0"/>
@@ -6673,6 +6616,7 @@
           <a:p>
             <a:fld id="{2F5601C1-348E-4149-A60A-012B14EBE97F}" type="slidenum">
               <a:rPr lang="en-US" altLang="zh-CN" noProof="0" smtClean="0"/>
+              <a:t>‹#›</a:t>
             </a:fld>
             <a:endParaRPr lang="zh-CN" altLang="en-US" noProof="0"/>
           </a:p>
@@ -6864,7 +6808,6 @@
               <a:rPr lang="zh-CN" altLang="en-US" noProof="0"/>
               <a:t>单击此处编辑母版标题样式</a:t>
             </a:r>
-            <a:endParaRPr lang="zh-CN" altLang="en-US" noProof="0"/>
           </a:p>
         </p:txBody>
       </p:sp>
@@ -6990,7 +6933,6 @@
               <a:rPr lang="zh-CN" altLang="en-US" noProof="0"/>
               <a:t>编辑母版文本样式</a:t>
             </a:r>
-            <a:endParaRPr lang="zh-CN" altLang="en-US" noProof="0"/>
           </a:p>
           <a:p>
             <a:pPr lvl="1" rtl="0"/>
@@ -6998,7 +6940,6 @@
               <a:rPr lang="zh-CN" altLang="en-US" noProof="0"/>
               <a:t>第二级</a:t>
             </a:r>
-            <a:endParaRPr lang="zh-CN" altLang="en-US" noProof="0"/>
           </a:p>
           <a:p>
             <a:pPr lvl="2" rtl="0"/>
@@ -7006,7 +6947,6 @@
               <a:rPr lang="zh-CN" altLang="en-US" noProof="0"/>
               <a:t>第三级</a:t>
             </a:r>
-            <a:endParaRPr lang="zh-CN" altLang="en-US" noProof="0"/>
           </a:p>
           <a:p>
             <a:pPr lvl="3" rtl="0"/>
@@ -7014,7 +6954,6 @@
               <a:rPr lang="zh-CN" altLang="en-US" noProof="0"/>
               <a:t>第四级</a:t>
             </a:r>
-            <a:endParaRPr lang="zh-CN" altLang="en-US" noProof="0"/>
           </a:p>
           <a:p>
             <a:pPr lvl="4" rtl="0"/>
@@ -7022,7 +6961,6 @@
               <a:rPr lang="zh-CN" altLang="en-US" noProof="0"/>
               <a:t>第五级</a:t>
             </a:r>
-            <a:endParaRPr lang="zh-CN" altLang="en-US" noProof="0"/>
           </a:p>
         </p:txBody>
       </p:sp>
@@ -7055,6 +6993,7 @@
           <a:p>
             <a:fld id="{0AE7BDCD-FD97-4271-AAA6-DC7E6B96D23A}" type="datetime1">
               <a:rPr lang="zh-CN" altLang="en-US" noProof="0" smtClean="0"/>
+              <a:t>2021/4/30</a:t>
             </a:fld>
             <a:endParaRPr lang="zh-CN" altLang="en-US" noProof="0"/>
           </a:p>
@@ -7069,7 +7008,7 @@
 </file>
 
 <file path=ppt/slideLayouts/slideLayout8.xml><?xml version="1.0" encoding="utf-8"?>
-<p:sldLayout xmlns:a="http://schemas.openxmlformats.org/drawingml/2006/main" xmlns:r="http://schemas.openxmlformats.org/officeDocument/2006/relationships" xmlns:p="http://schemas.openxmlformats.org/presentationml/2006/main" preserve="1" showMasterSp="0" userDrawn="1">
+<p:sldLayout xmlns:a="http://schemas.openxmlformats.org/drawingml/2006/main" xmlns:r="http://schemas.openxmlformats.org/officeDocument/2006/relationships" xmlns:p="http://schemas.openxmlformats.org/presentationml/2006/main" showMasterSp="0" preserve="1" userDrawn="1">
   <p:cSld name="图标标题靠右">
     <p:bg>
       <p:bgPr>
@@ -7122,7 +7061,6 @@
               <a:rPr lang="zh-CN" altLang="en-US"/>
               <a:t> 添加页脚 	</a:t>
             </a:r>
-            <a:endParaRPr lang="zh-CN" altLang="en-US"/>
           </a:p>
           <a:p>
             <a:endParaRPr lang="zh-CN" altLang="en-US"/>
@@ -7153,6 +7091,7 @@
           <a:p>
             <a:fld id="{2F5601C1-348E-4149-A60A-012B14EBE97F}" type="slidenum">
               <a:rPr lang="en-US" altLang="zh-CN" smtClean="0"/>
+              <a:t>‹#›</a:t>
             </a:fld>
             <a:endParaRPr lang="zh-CN" altLang="en-US"/>
           </a:p>
@@ -7344,7 +7283,6 @@
               <a:rPr lang="zh-CN" altLang="en-US" noProof="0"/>
               <a:t>单击此处编辑母版标题样式</a:t>
             </a:r>
-            <a:endParaRPr lang="zh-CN" altLang="en-US" noProof="0"/>
           </a:p>
         </p:txBody>
       </p:sp>
@@ -7470,7 +7408,6 @@
               <a:rPr lang="zh-CN" altLang="en-US" noProof="0"/>
               <a:t>编辑母版文本样式</a:t>
             </a:r>
-            <a:endParaRPr lang="zh-CN" altLang="en-US" noProof="0"/>
           </a:p>
           <a:p>
             <a:pPr lvl="1" rtl="0"/>
@@ -7478,7 +7415,6 @@
               <a:rPr lang="zh-CN" altLang="en-US" noProof="0"/>
               <a:t>第二级</a:t>
             </a:r>
-            <a:endParaRPr lang="zh-CN" altLang="en-US" noProof="0"/>
           </a:p>
           <a:p>
             <a:pPr lvl="2" rtl="0"/>
@@ -7486,7 +7422,6 @@
               <a:rPr lang="zh-CN" altLang="en-US" noProof="0"/>
               <a:t>第三级</a:t>
             </a:r>
-            <a:endParaRPr lang="zh-CN" altLang="en-US" noProof="0"/>
           </a:p>
           <a:p>
             <a:pPr lvl="3" rtl="0"/>
@@ -7494,7 +7429,6 @@
               <a:rPr lang="zh-CN" altLang="en-US" noProof="0"/>
               <a:t>第四级</a:t>
             </a:r>
-            <a:endParaRPr lang="zh-CN" altLang="en-US" noProof="0"/>
           </a:p>
           <a:p>
             <a:pPr lvl="4" rtl="0"/>
@@ -7502,7 +7436,6 @@
               <a:rPr lang="zh-CN" altLang="en-US" noProof="0"/>
               <a:t>第五级</a:t>
             </a:r>
-            <a:endParaRPr lang="zh-CN" altLang="en-US" noProof="0"/>
           </a:p>
         </p:txBody>
       </p:sp>
@@ -7535,6 +7468,7 @@
           <a:p>
             <a:fld id="{249BE323-7982-474B-912E-B49A2F3A497D}" type="datetime1">
               <a:rPr lang="zh-CN" altLang="en-US" smtClean="0"/>
+              <a:t>2021/4/30</a:t>
             </a:fld>
             <a:endParaRPr lang="zh-CN" altLang="en-US"/>
           </a:p>
@@ -7549,7 +7483,7 @@
 </file>
 
 <file path=ppt/slideLayouts/slideLayout9.xml><?xml version="1.0" encoding="utf-8"?>
-<p:sldLayout xmlns:a="http://schemas.openxmlformats.org/drawingml/2006/main" xmlns:r="http://schemas.openxmlformats.org/officeDocument/2006/relationships" xmlns:p="http://schemas.openxmlformats.org/presentationml/2006/main" preserve="1" showMasterSp="0" userDrawn="1">
+<p:sldLayout xmlns:a="http://schemas.openxmlformats.org/drawingml/2006/main" xmlns:r="http://schemas.openxmlformats.org/officeDocument/2006/relationships" xmlns:p="http://schemas.openxmlformats.org/presentationml/2006/main" showMasterSp="0" preserve="1" userDrawn="1">
   <p:cSld name="Side_by_Side">
     <p:spTree>
       <p:nvGrpSpPr>
@@ -7598,7 +7532,6 @@
               <a:rPr lang="zh-CN" altLang="en-US" noProof="0"/>
               <a:t>单击图标以添加图片</a:t>
             </a:r>
-            <a:endParaRPr lang="zh-CN" altLang="en-US" noProof="0"/>
           </a:p>
         </p:txBody>
       </p:sp>
@@ -7785,7 +7718,6 @@
               <a:rPr lang="zh-CN" altLang="en-US" sz="3000" noProof="0"/>
               <a:t>单击此处编辑母版标题样式</a:t>
             </a:r>
-            <a:endParaRPr lang="zh-CN" altLang="en-US" sz="3000" noProof="0"/>
           </a:p>
         </p:txBody>
       </p:sp>
@@ -7824,7 +7756,6 @@
               <a:rPr lang="zh-CN" altLang="en-US" noProof="0"/>
               <a:t>编辑母版文本样式</a:t>
             </a:r>
-            <a:endParaRPr lang="zh-CN" altLang="en-US" noProof="0"/>
           </a:p>
         </p:txBody>
       </p:sp>
@@ -7857,7 +7788,6 @@
               <a:rPr lang="zh-CN" altLang="en-US" noProof="0"/>
               <a:t> 添加页脚 	</a:t>
             </a:r>
-            <a:endParaRPr lang="zh-CN" altLang="en-US" noProof="0"/>
           </a:p>
           <a:p>
             <a:endParaRPr lang="zh-CN" altLang="en-US" noProof="0"/>
@@ -7888,6 +7818,7 @@
           <a:p>
             <a:fld id="{2F5601C1-348E-4149-A60A-012B14EBE97F}" type="slidenum">
               <a:rPr lang="en-US" altLang="zh-CN" noProof="0" smtClean="0"/>
+              <a:t>‹#›</a:t>
             </a:fld>
             <a:endParaRPr lang="zh-CN" altLang="en-US" noProof="0"/>
           </a:p>
@@ -7922,6 +7853,7 @@
           <a:p>
             <a:fld id="{F7A3EC39-FD70-4227-947D-37EE0874CBF5}" type="datetime1">
               <a:rPr lang="zh-CN" altLang="en-US" noProof="0" smtClean="0"/>
+              <a:t>2021/4/30</a:t>
             </a:fld>
             <a:endParaRPr lang="zh-CN" altLang="en-US" noProof="0"/>
           </a:p>
@@ -7990,7 +7922,6 @@
               <a:rPr lang="zh-CN" altLang="en-US" noProof="0"/>
               <a:t>单击此处编辑母版标题样式</a:t>
             </a:r>
-            <a:endParaRPr lang="zh-CN" altLang="en-US" noProof="0"/>
           </a:p>
         </p:txBody>
       </p:sp>
@@ -8024,7 +7955,6 @@
               <a:rPr lang="zh-CN" altLang="en-US" noProof="0"/>
               <a:t>编辑母版文本样式</a:t>
             </a:r>
-            <a:endParaRPr lang="zh-CN" altLang="en-US" noProof="0"/>
           </a:p>
           <a:p>
             <a:pPr lvl="1" rtl="0"/>
@@ -8032,7 +7962,6 @@
               <a:rPr lang="zh-CN" altLang="en-US" noProof="0"/>
               <a:t>第二级</a:t>
             </a:r>
-            <a:endParaRPr lang="zh-CN" altLang="en-US" noProof="0"/>
           </a:p>
           <a:p>
             <a:pPr lvl="2" rtl="0"/>
@@ -8040,7 +7969,6 @@
               <a:rPr lang="zh-CN" altLang="en-US" noProof="0"/>
               <a:t>第三级</a:t>
             </a:r>
-            <a:endParaRPr lang="zh-CN" altLang="en-US" noProof="0"/>
           </a:p>
           <a:p>
             <a:pPr lvl="3" rtl="0"/>
@@ -8048,7 +7976,6 @@
               <a:rPr lang="zh-CN" altLang="en-US" noProof="0"/>
               <a:t>第四级</a:t>
             </a:r>
-            <a:endParaRPr lang="zh-CN" altLang="en-US" noProof="0"/>
           </a:p>
           <a:p>
             <a:pPr lvl="4" rtl="0"/>
@@ -8056,7 +7983,6 @@
               <a:rPr lang="zh-CN" altLang="en-US" noProof="0"/>
               <a:t>第五级</a:t>
             </a:r>
-            <a:endParaRPr lang="zh-CN" altLang="en-US" noProof="0"/>
           </a:p>
         </p:txBody>
       </p:sp>
@@ -8095,6 +8021,7 @@
           <a:p>
             <a:fld id="{4B519B1D-BC5A-44AC-92A5-E75EFB60F6CA}" type="datetime1">
               <a:rPr lang="zh-CN" altLang="en-US" smtClean="0"/>
+              <a:t>2021/4/30</a:t>
             </a:fld>
             <a:endParaRPr lang="zh-CN" altLang="en-US"/>
           </a:p>
@@ -8140,7 +8067,6 @@
               <a:rPr lang="zh-CN" altLang="en-US"/>
               <a:t> 添加页脚 	</a:t>
             </a:r>
-            <a:endParaRPr lang="zh-CN" altLang="en-US"/>
           </a:p>
           <a:p>
             <a:endParaRPr lang="zh-CN" altLang="en-US"/>
@@ -8182,6 +8108,7 @@
           <a:p>
             <a:fld id="{2F5601C1-348E-4149-A60A-012B14EBE97F}" type="slidenum">
               <a:rPr lang="en-US" altLang="zh-CN" smtClean="0"/>
+              <a:t>‹#›</a:t>
             </a:fld>
             <a:endParaRPr lang="zh-CN" altLang="en-US"/>
           </a:p>
@@ -8797,7 +8724,6 @@
               <a:rPr lang="en-US" altLang="zh-CN" dirty="0"/>
               <a:t>Team Glory  </a:t>
             </a:r>
-            <a:endParaRPr lang="en-US" altLang="zh-CN" dirty="0"/>
           </a:p>
           <a:p>
             <a:pPr rtl="0"/>
@@ -8821,13 +8747,13 @@
           <p:nvPr/>
         </p:nvPicPr>
         <p:blipFill>
-          <a:blip r:embed="rId1">
+          <a:blip r:embed="rId3">
             <a:extLst>
               <a:ext uri="{28A0092B-C50C-407E-A947-70E740481C1C}">
                 <a14:useLocalDpi xmlns:a14="http://schemas.microsoft.com/office/drawing/2010/main" val="0"/>
               </a:ext>
               <a:ext uri="{96DAC541-7B7A-43D3-8B79-37D633B846F1}">
-                <asvg:svgBlip xmlns:asvg="http://schemas.microsoft.com/office/drawing/2016/SVG/main" r:embed="rId2"/>
+                <asvg:svgBlip xmlns:asvg="http://schemas.microsoft.com/office/drawing/2016/SVG/main" r:embed="rId4"/>
               </a:ext>
             </a:extLst>
           </a:blip>
@@ -8923,11 +8849,6 @@
               </a:rPr>
               <a:t>Longtao Ling: View Student, add students by GUI, re-registration</a:t>
             </a:r>
-            <a:endParaRPr lang="en-US" altLang="zh-CN" sz="2800" dirty="0">
-              <a:solidFill>
-                <a:schemeClr val="tx2"/>
-              </a:solidFill>
-            </a:endParaRPr>
           </a:p>
           <a:p>
             <a:r>
@@ -8938,11 +8859,6 @@
               </a:rPr>
               <a:t>Yangyang Zhang: View Teacher, add teachers, assign for group </a:t>
             </a:r>
-            <a:endParaRPr lang="en-US" altLang="zh-CN" sz="2800" dirty="0">
-              <a:solidFill>
-                <a:schemeClr val="tx2"/>
-              </a:solidFill>
-            </a:endParaRPr>
           </a:p>
           <a:p>
             <a:r>
@@ -9049,13 +8965,6 @@
               </a:rPr>
               <a:t>Java,</a:t>
             </a:r>
-            <a:endParaRPr lang="en-US" altLang="zh-CN" sz="3600" dirty="0">
-              <a:solidFill>
-                <a:schemeClr val="bg2"/>
-              </a:solidFill>
-              <a:latin typeface="Microsoft YaHei UI" panose="020B0503020204020204" pitchFamily="34" charset="-122"/>
-              <a:ea typeface="Microsoft YaHei UI" panose="020B0503020204020204" pitchFamily="34" charset="-122"/>
-            </a:endParaRPr>
           </a:p>
           <a:p>
             <a:pPr rtl="0"/>
@@ -9069,13 +8978,6 @@
               </a:rPr>
               <a:t>Java Swing,</a:t>
             </a:r>
-            <a:endParaRPr lang="en-US" altLang="zh-CN" sz="3600" dirty="0">
-              <a:solidFill>
-                <a:schemeClr val="bg2"/>
-              </a:solidFill>
-              <a:latin typeface="Microsoft YaHei UI" panose="020B0503020204020204" pitchFamily="34" charset="-122"/>
-              <a:ea typeface="Microsoft YaHei UI" panose="020B0503020204020204" pitchFamily="34" charset="-122"/>
-            </a:endParaRPr>
           </a:p>
           <a:p>
             <a:pPr rtl="0"/>
@@ -9089,6 +8991,29 @@
               </a:rPr>
               <a:t>MySQL</a:t>
             </a:r>
+            <a:r>
+              <a:rPr lang="zh-CN" altLang="en-US" sz="3600" dirty="0">
+                <a:solidFill>
+                  <a:schemeClr val="bg2"/>
+                </a:solidFill>
+                <a:latin typeface="Microsoft YaHei UI" panose="020B0503020204020204" pitchFamily="34" charset="-122"/>
+                <a:ea typeface="Microsoft YaHei UI" panose="020B0503020204020204" pitchFamily="34" charset="-122"/>
+              </a:rPr>
+              <a:t> </a:t>
+            </a:r>
+            <a:r>
+              <a:rPr lang="en-US" altLang="zh-CN" sz="3600" dirty="0">
+                <a:solidFill>
+                  <a:schemeClr val="bg2"/>
+                </a:solidFill>
+                <a:latin typeface="Microsoft YaHei UI" panose="020B0503020204020204" pitchFamily="34" charset="-122"/>
+                <a:ea typeface="Microsoft YaHei UI" panose="020B0503020204020204" pitchFamily="34" charset="-122"/>
+              </a:rPr>
+              <a:t>with JDBC</a:t>
+            </a:r>
+          </a:p>
+          <a:p>
+            <a:pPr rtl="0"/>
             <a:endParaRPr lang="en-US" altLang="zh-CN" sz="3600" dirty="0">
               <a:solidFill>
                 <a:schemeClr val="bg2"/>
@@ -9109,6 +9034,36 @@
           </a:p>
         </p:txBody>
       </p:sp>
+      <p:pic>
+        <p:nvPicPr>
+          <p:cNvPr id="2" name="图片 1">
+            <a:extLst>
+              <a:ext uri="{FF2B5EF4-FFF2-40B4-BE49-F238E27FC236}">
+                <a16:creationId xmlns:a16="http://schemas.microsoft.com/office/drawing/2014/main" id="{E522865E-22EF-C147-A008-6B6DCE1AF5F7}"/>
+              </a:ext>
+            </a:extLst>
+          </p:cNvPr>
+          <p:cNvPicPr>
+            <a:picLocks noChangeAspect="1"/>
+          </p:cNvPicPr>
+          <p:nvPr/>
+        </p:nvPicPr>
+        <p:blipFill>
+          <a:blip r:embed="rId3"/>
+          <a:stretch>
+            <a:fillRect/>
+          </a:stretch>
+        </p:blipFill>
+        <p:spPr>
+          <a:xfrm>
+            <a:off x="6205605" y="4564228"/>
+            <a:ext cx="3581634" cy="484850"/>
+          </a:xfrm>
+          <a:prstGeom prst="rect">
+            <a:avLst/>
+          </a:prstGeom>
+        </p:spPr>
+      </p:pic>
     </p:spTree>
   </p:cSld>
   <p:clrMapOvr>
@@ -9196,13 +9151,6 @@
               </a:rPr>
               <a:t>Singleton Pattern</a:t>
             </a:r>
-            <a:endParaRPr lang="en-US" altLang="zh-CN" sz="3600" dirty="0">
-              <a:solidFill>
-                <a:schemeClr val="bg2"/>
-              </a:solidFill>
-              <a:latin typeface="Microsoft YaHei UI" panose="020B0503020204020204" pitchFamily="34" charset="-122"/>
-              <a:ea typeface="Microsoft YaHei UI" panose="020B0503020204020204" pitchFamily="34" charset="-122"/>
-            </a:endParaRPr>
           </a:p>
           <a:p>
             <a:pPr rtl="0"/>
@@ -9216,13 +9164,6 @@
               </a:rPr>
               <a:t>Simple Factory Pattern</a:t>
             </a:r>
-            <a:endParaRPr lang="en-US" altLang="zh-CN" sz="3600" dirty="0">
-              <a:solidFill>
-                <a:schemeClr val="bg2"/>
-              </a:solidFill>
-              <a:latin typeface="Microsoft YaHei UI" panose="020B0503020204020204" pitchFamily="34" charset="-122"/>
-              <a:ea typeface="Microsoft YaHei UI" panose="020B0503020204020204" pitchFamily="34" charset="-122"/>
-            </a:endParaRPr>
           </a:p>
           <a:p>
             <a:pPr rtl="0"/>
@@ -9236,13 +9177,6 @@
               </a:rPr>
               <a:t>Model View Controller Design Pattern</a:t>
             </a:r>
-            <a:endParaRPr lang="en-US" altLang="zh-CN" sz="3600" dirty="0">
-              <a:solidFill>
-                <a:schemeClr val="bg2"/>
-              </a:solidFill>
-              <a:latin typeface="Microsoft YaHei UI" panose="020B0503020204020204" pitchFamily="34" charset="-122"/>
-              <a:ea typeface="Microsoft YaHei UI" panose="020B0503020204020204" pitchFamily="34" charset="-122"/>
-            </a:endParaRPr>
           </a:p>
           <a:p>
             <a:pPr rtl="0"/>
@@ -9343,7 +9277,7 @@
           <p:nvPr/>
         </p:nvPicPr>
         <p:blipFill>
-          <a:blip r:embed="rId1"/>
+          <a:blip r:embed="rId2"/>
           <a:stretch>
             <a:fillRect/>
           </a:stretch>
@@ -9561,6 +9495,7 @@
       </a:style>
     </a:spDef>
   </a:objectDefaults>
+  <a:extraClrSchemeLst/>
   <a:extLst>
     <a:ext uri="{05A4C25C-085E-4340-85A3-A5531E510DB2}">
       <thm15:themeFamily xmlns:thm15="http://schemas.microsoft.com/office/thememl/2012/main" name="Office Theme" id="{62F939B6-93AF-4DB8-9C6B-D6C7DFDC589F}" vid="{4A3C46E8-61CC-4603-A589-7422A47A8E4A}"/>
@@ -9820,6 +9755,8 @@
       </a:bgFillStyleLst>
     </a:fmtScheme>
   </a:themeElements>
+  <a:objectDefaults/>
+  <a:extraClrSchemeLst/>
   <a:extLst>
     <a:ext uri="{05A4C25C-085E-4340-85A3-A5531E510DB2}">
       <thm15:themeFamily xmlns:thm15="http://schemas.microsoft.com/office/thememl/2012/main" name="Office Theme" id="{62F939B6-93AF-4DB8-9C6B-D6C7DFDC589F}" vid="{4A3C46E8-61CC-4603-A589-7422A47A8E4A}"/>
@@ -10079,6 +10016,8 @@
       </a:bgFillStyleLst>
     </a:fmtScheme>
   </a:themeElements>
+  <a:objectDefaults/>
+  <a:extraClrSchemeLst/>
   <a:extLst>
     <a:ext uri="{05A4C25C-085E-4340-85A3-A5531E510DB2}">
       <thm15:themeFamily xmlns:thm15="http://schemas.microsoft.com/office/thememl/2012/main" name="Office Theme" id="{62F939B6-93AF-4DB8-9C6B-D6C7DFDC589F}" vid="{4A3C46E8-61CC-4603-A589-7422A47A8E4A}"/>
